--- a/trie_data_structure/_apresentacao/Seminário.pptx
+++ b/trie_data_structure/_apresentacao/Seminário.pptx
@@ -14,8 +14,8 @@
     <p:sldId id="258" r:id="rId5"/>
     <p:sldId id="259" r:id="rId6"/>
     <p:sldId id="260" r:id="rId7"/>
-    <p:sldId id="263" r:id="rId8"/>
-    <p:sldId id="264" r:id="rId9"/>
+    <p:sldId id="264" r:id="rId8"/>
+    <p:sldId id="263" r:id="rId9"/>
     <p:sldId id="261" r:id="rId10"/>
     <p:sldId id="262" r:id="rId11"/>
   </p:sldIdLst>
@@ -953,7 +953,7 @@
           </a:ln>
           <a:extLst>
             <a:ext uri="{C572A759-6A51-4108-AA02-DFA0A04FC94B}">
-              <ma14:wrappingTextBoxFlag xmlns="" xmlns:ma14="http://schemas.microsoft.com/office/mac/drawingml/2011/main" val="1"/>
+              <ma14:wrappingTextBoxFlag xmlns:ma14="http://schemas.microsoft.com/office/mac/drawingml/2011/main" xmlns="" val="1"/>
             </a:ext>
           </a:extLst>
         </p:spPr>
@@ -992,7 +992,7 @@
           </a:ln>
           <a:extLst>
             <a:ext uri="{C572A759-6A51-4108-AA02-DFA0A04FC94B}">
-              <ma14:wrappingTextBoxFlag xmlns="" xmlns:ma14="http://schemas.microsoft.com/office/mac/drawingml/2011/main" val="1"/>
+              <ma14:wrappingTextBoxFlag xmlns:ma14="http://schemas.microsoft.com/office/mac/drawingml/2011/main" xmlns="" val="1"/>
             </a:ext>
           </a:extLst>
         </p:spPr>
@@ -1982,7 +1982,7 @@
           </a:ln>
           <a:extLst>
             <a:ext uri="{C572A759-6A51-4108-AA02-DFA0A04FC94B}">
-              <ma14:wrappingTextBoxFlag xmlns="" xmlns:ma14="http://schemas.microsoft.com/office/mac/drawingml/2011/main" val="1"/>
+              <ma14:wrappingTextBoxFlag xmlns:ma14="http://schemas.microsoft.com/office/mac/drawingml/2011/main" xmlns="" val="1"/>
             </a:ext>
           </a:extLst>
         </p:spPr>
@@ -2028,7 +2028,7 @@
           </a:ln>
           <a:extLst>
             <a:ext uri="{C572A759-6A51-4108-AA02-DFA0A04FC94B}">
-              <ma14:wrappingTextBoxFlag xmlns="" xmlns:ma14="http://schemas.microsoft.com/office/mac/drawingml/2011/main" val="1"/>
+              <ma14:wrappingTextBoxFlag xmlns:ma14="http://schemas.microsoft.com/office/mac/drawingml/2011/main" xmlns="" val="1"/>
             </a:ext>
           </a:extLst>
         </p:spPr>
@@ -2106,7 +2106,7 @@
             </a:pPr>
             <a:r>
               <a:rPr lang="pt-BR" dirty="0"/>
-              <a:t>https://github.com/HuffboyZ/huffman_p2_all</a:t>
+              <a:t>https://github.com/HuffboyZ/DataStructure_Project</a:t>
             </a:r>
             <a:endParaRPr dirty="0"/>
           </a:p>
@@ -2378,19 +2378,43 @@
           <a:p>
             <a:r>
               <a:rPr lang="pt-BR" dirty="0"/>
-              <a:t> Estrutura de dados do tipo árvore ordenada.</a:t>
-            </a:r>
-          </a:p>
-          <a:p>
-            <a:r>
-              <a:rPr lang="pt-BR" dirty="0"/>
-              <a:t>Busca mais rápida em comparação com a ABB.</a:t>
+              <a:t>Estrutura de dados do tipo árvore ordenada.</a:t>
             </a:r>
           </a:p>
           <a:p>
             <a:r>
               <a:rPr lang="pt-BR" dirty="0"/>
               <a:t>Versátil.</a:t>
+            </a:r>
+          </a:p>
+          <a:p>
+            <a:r>
+              <a:rPr lang="pt-BR" dirty="0"/>
+              <a:t>O termo </a:t>
+            </a:r>
+            <a:r>
+              <a:rPr lang="pt-BR" b="1" dirty="0"/>
+              <a:t>Trie</a:t>
+            </a:r>
+            <a:r>
+              <a:rPr lang="pt-BR" dirty="0"/>
+              <a:t> vem do inglês </a:t>
+            </a:r>
+            <a:r>
+              <a:rPr lang="pt-BR" dirty="0" err="1"/>
+              <a:t>re</a:t>
+            </a:r>
+            <a:r>
+              <a:rPr lang="pt-BR" b="1" dirty="0" err="1"/>
+              <a:t>tri</a:t>
+            </a:r>
+            <a:r>
+              <a:rPr lang="pt-BR" dirty="0" err="1"/>
+              <a:t>eval</a:t>
+            </a:r>
+            <a:r>
+              <a:rPr lang="pt-BR" dirty="0"/>
+              <a:t>.</a:t>
             </a:r>
           </a:p>
         </p:txBody>
@@ -3328,10 +3352,10 @@
       </p:grpSpPr>
       <p:pic>
         <p:nvPicPr>
-          <p:cNvPr id="7" name="Imagem 6">
+          <p:cNvPr id="4" name="Imagem 3">
             <a:extLst>
               <a:ext uri="{FF2B5EF4-FFF2-40B4-BE49-F238E27FC236}">
-                <a16:creationId xmlns:a16="http://schemas.microsoft.com/office/drawing/2014/main" id="{9FB66E6D-C366-434D-8D0E-71AA78937CC6}"/>
+                <a16:creationId xmlns:a16="http://schemas.microsoft.com/office/drawing/2014/main" id="{09266A17-79D2-436F-AE1A-9D048643992D}"/>
               </a:ext>
             </a:extLst>
           </p:cNvPr>
@@ -3343,15 +3367,6 @@
         <p:blipFill>
           <a:blip r:embed="rId2">
             <a:extLst>
-              <a:ext uri="{BEBA8EAE-BF5A-486C-A8C5-ECC9F3942E4B}">
-                <a14:imgProps xmlns:a14="http://schemas.microsoft.com/office/drawing/2010/main">
-                  <a14:imgLayer r:embed="rId3">
-                    <a14:imgEffect>
-                      <a14:backgroundRemoval t="3442" b="95698" l="4385" r="95484"/>
-                    </a14:imgEffect>
-                  </a14:imgLayer>
-                </a14:imgProps>
-              </a:ext>
               <a:ext uri="{28A0092B-C50C-407E-A947-70E740481C1C}">
                 <a14:useLocalDpi xmlns:a14="http://schemas.microsoft.com/office/drawing/2010/main" val="0"/>
               </a:ext>
@@ -3363,8 +3378,8 @@
         </p:blipFill>
         <p:spPr>
           <a:xfrm>
-            <a:off x="0" y="425549"/>
-            <a:ext cx="13004800" cy="8902501"/>
+            <a:off x="701088" y="0"/>
+            <a:ext cx="11602624" cy="9753600"/>
           </a:xfrm>
           <a:prstGeom prst="rect">
             <a:avLst/>
@@ -3410,10 +3425,10 @@
       </p:grpSpPr>
       <p:pic>
         <p:nvPicPr>
-          <p:cNvPr id="3" name="Imagem 2">
+          <p:cNvPr id="6" name="Imagem 5">
             <a:extLst>
               <a:ext uri="{FF2B5EF4-FFF2-40B4-BE49-F238E27FC236}">
-                <a16:creationId xmlns:a16="http://schemas.microsoft.com/office/drawing/2014/main" id="{60141867-9902-4B86-8EEE-4D3B0804CBAB}"/>
+                <a16:creationId xmlns:a16="http://schemas.microsoft.com/office/drawing/2014/main" id="{2A06560E-5535-4905-9BB5-855F9E2E5652}"/>
               </a:ext>
             </a:extLst>
           </p:cNvPr>
@@ -3436,8 +3451,8 @@
         </p:blipFill>
         <p:spPr>
           <a:xfrm>
-            <a:off x="2430405" y="0"/>
-            <a:ext cx="8143990" cy="9753600"/>
+            <a:off x="3530009" y="0"/>
+            <a:ext cx="5944781" cy="9753600"/>
           </a:xfrm>
           <a:prstGeom prst="rect">
             <a:avLst/>
@@ -3447,7 +3462,7 @@
     </p:spTree>
     <p:extLst>
       <p:ext uri="{BB962C8B-B14F-4D97-AF65-F5344CB8AC3E}">
-        <p14:creationId xmlns:p14="http://schemas.microsoft.com/office/powerpoint/2010/main" val="4044311018"/>
+        <p14:creationId xmlns:p14="http://schemas.microsoft.com/office/powerpoint/2010/main" val="3438764631"/>
       </p:ext>
     </p:extLst>
   </p:cSld>
@@ -3491,7 +3506,7 @@
           <p:cNvPr id="4" name="Imagem 3">
             <a:extLst>
               <a:ext uri="{FF2B5EF4-FFF2-40B4-BE49-F238E27FC236}">
-                <a16:creationId xmlns:a16="http://schemas.microsoft.com/office/drawing/2014/main" id="{57B4A671-B6FA-4B38-9692-A5031C4E9D07}"/>
+                <a16:creationId xmlns:a16="http://schemas.microsoft.com/office/drawing/2014/main" id="{6763DA6B-1791-4F12-9830-1BD1251BC829}"/>
               </a:ext>
             </a:extLst>
           </p:cNvPr>
@@ -3501,7 +3516,7 @@
           <p:nvPr/>
         </p:nvPicPr>
         <p:blipFill>
-          <a:blip r:embed="rId2">
+          <a:blip r:embed="rId2" cstate="print">
             <a:extLst>
               <a:ext uri="{28A0092B-C50C-407E-A947-70E740481C1C}">
                 <a14:useLocalDpi xmlns:a14="http://schemas.microsoft.com/office/drawing/2010/main" val="0"/>
@@ -3514,8 +3529,8 @@
         </p:blipFill>
         <p:spPr>
           <a:xfrm>
-            <a:off x="2066834" y="0"/>
-            <a:ext cx="8871131" cy="9753600"/>
+            <a:off x="4069991" y="0"/>
+            <a:ext cx="4864818" cy="9753600"/>
           </a:xfrm>
           <a:prstGeom prst="rect">
             <a:avLst/>
@@ -3525,7 +3540,7 @@
     </p:spTree>
     <p:extLst>
       <p:ext uri="{BB962C8B-B14F-4D97-AF65-F5344CB8AC3E}">
-        <p14:creationId xmlns:p14="http://schemas.microsoft.com/office/powerpoint/2010/main" val="3438764631"/>
+        <p14:creationId xmlns:p14="http://schemas.microsoft.com/office/powerpoint/2010/main" val="4044311018"/>
       </p:ext>
     </p:extLst>
   </p:cSld>
